--- a/paper/sozai/sequence-pairの例.pptx
+++ b/paper/sozai/sequence-pairの例.pptx
@@ -7,6 +7,7 @@
   <p:sldIdLst>
     <p:sldId id="256" r:id="rId2"/>
     <p:sldId id="257" r:id="rId3"/>
+    <p:sldId id="307" r:id="rId4"/>
   </p:sldIdLst>
   <p:sldSz cx="12192000" cy="6858000"/>
   <p:notesSz cx="6858000" cy="9144000"/>
@@ -105,6 +106,11 @@
       </a:defRPr>
     </a:lvl9pPr>
   </p:defaultTextStyle>
+  <p:extLst>
+    <p:ext uri="{EFAFB233-063F-42B5-8137-9DF3F51BA10A}">
+      <p15:sldGuideLst xmlns:p15="http://schemas.microsoft.com/office/powerpoint/2012/main"/>
+    </p:ext>
+  </p:extLst>
 </p:presentation>
 </file>
 
@@ -256,7 +262,7 @@
           <a:lstStyle/>
           <a:p>
             <a:fld id="{E671B877-CDFC-C242-A54A-17C93E91C5BE}" type="datetimeFigureOut">
-              <a:t>2022/01/22</a:t>
+              <a:t>2022/01/24</a:t>
             </a:fld>
             <a:endParaRPr lang="en-JP"/>
           </a:p>
@@ -454,7 +460,7 @@
           <a:lstStyle/>
           <a:p>
             <a:fld id="{E671B877-CDFC-C242-A54A-17C93E91C5BE}" type="datetimeFigureOut">
-              <a:t>2022/01/22</a:t>
+              <a:t>2022/01/24</a:t>
             </a:fld>
             <a:endParaRPr lang="en-JP"/>
           </a:p>
@@ -662,7 +668,7 @@
           <a:lstStyle/>
           <a:p>
             <a:fld id="{E671B877-CDFC-C242-A54A-17C93E91C5BE}" type="datetimeFigureOut">
-              <a:t>2022/01/22</a:t>
+              <a:t>2022/01/24</a:t>
             </a:fld>
             <a:endParaRPr lang="en-JP"/>
           </a:p>
@@ -860,7 +866,7 @@
           <a:lstStyle/>
           <a:p>
             <a:fld id="{E671B877-CDFC-C242-A54A-17C93E91C5BE}" type="datetimeFigureOut">
-              <a:t>2022/01/22</a:t>
+              <a:t>2022/01/24</a:t>
             </a:fld>
             <a:endParaRPr lang="en-JP"/>
           </a:p>
@@ -1134,7 +1140,7 @@
           <a:lstStyle/>
           <a:p>
             <a:fld id="{E671B877-CDFC-C242-A54A-17C93E91C5BE}" type="datetimeFigureOut">
-              <a:t>2022/01/22</a:t>
+              <a:t>2022/01/24</a:t>
             </a:fld>
             <a:endParaRPr lang="en-JP"/>
           </a:p>
@@ -1400,7 +1406,7 @@
           <a:lstStyle/>
           <a:p>
             <a:fld id="{E671B877-CDFC-C242-A54A-17C93E91C5BE}" type="datetimeFigureOut">
-              <a:t>2022/01/22</a:t>
+              <a:t>2022/01/24</a:t>
             </a:fld>
             <a:endParaRPr lang="en-JP"/>
           </a:p>
@@ -1813,7 +1819,7 @@
           <a:lstStyle/>
           <a:p>
             <a:fld id="{E671B877-CDFC-C242-A54A-17C93E91C5BE}" type="datetimeFigureOut">
-              <a:t>2022/01/22</a:t>
+              <a:t>2022/01/24</a:t>
             </a:fld>
             <a:endParaRPr lang="en-JP"/>
           </a:p>
@@ -1953,7 +1959,7 @@
           <a:lstStyle/>
           <a:p>
             <a:fld id="{E671B877-CDFC-C242-A54A-17C93E91C5BE}" type="datetimeFigureOut">
-              <a:t>2022/01/22</a:t>
+              <a:t>2022/01/24</a:t>
             </a:fld>
             <a:endParaRPr lang="en-JP"/>
           </a:p>
@@ -2064,7 +2070,7 @@
           <a:lstStyle/>
           <a:p>
             <a:fld id="{E671B877-CDFC-C242-A54A-17C93E91C5BE}" type="datetimeFigureOut">
-              <a:t>2022/01/22</a:t>
+              <a:t>2022/01/24</a:t>
             </a:fld>
             <a:endParaRPr lang="en-JP"/>
           </a:p>
@@ -2375,7 +2381,7 @@
           <a:lstStyle/>
           <a:p>
             <a:fld id="{E671B877-CDFC-C242-A54A-17C93E91C5BE}" type="datetimeFigureOut">
-              <a:t>2022/01/22</a:t>
+              <a:t>2022/01/24</a:t>
             </a:fld>
             <a:endParaRPr lang="en-JP"/>
           </a:p>
@@ -2662,7 +2668,7 @@
           <a:lstStyle/>
           <a:p>
             <a:fld id="{E671B877-CDFC-C242-A54A-17C93E91C5BE}" type="datetimeFigureOut">
-              <a:t>2022/01/22</a:t>
+              <a:t>2022/01/24</a:t>
             </a:fld>
             <a:endParaRPr lang="en-JP"/>
           </a:p>
@@ -2903,7 +2909,7 @@
           </a:lstStyle>
           <a:p>
             <a:fld id="{E671B877-CDFC-C242-A54A-17C93E91C5BE}" type="datetimeFigureOut">
-              <a:t>2022/01/22</a:t>
+              <a:t>2022/01/24</a:t>
             </a:fld>
             <a:endParaRPr lang="en-JP"/>
           </a:p>
@@ -3340,7 +3346,10 @@
           <a:bodyPr/>
           <a:lstStyle/>
           <a:p>
-            <a:endParaRPr lang="en-JP"/>
+            <a:r>
+              <a:rPr lang="en-JP"/>
+              <a:t>論文で使うイラスト作成</a:t>
+            </a:r>
           </a:p>
         </p:txBody>
       </p:sp>
@@ -3821,6 +3830,1214 @@
     <p:extLst>
       <p:ext uri="{BB962C8B-B14F-4D97-AF65-F5344CB8AC3E}">
         <p14:creationId xmlns:p14="http://schemas.microsoft.com/office/powerpoint/2010/main" val="805143121"/>
+      </p:ext>
+    </p:extLst>
+  </p:cSld>
+  <p:clrMapOvr>
+    <a:masterClrMapping/>
+  </p:clrMapOvr>
+</p:sld>
+</file>
+
+<file path=ppt/slides/slide3.xml><?xml version="1.0" encoding="utf-8"?>
+<p:sld xmlns:a="http://schemas.openxmlformats.org/drawingml/2006/main" xmlns:r="http://schemas.openxmlformats.org/officeDocument/2006/relationships" xmlns:p="http://schemas.openxmlformats.org/presentationml/2006/main">
+  <p:cSld>
+    <p:spTree>
+      <p:nvGrpSpPr>
+        <p:cNvPr id="1" name=""/>
+        <p:cNvGrpSpPr/>
+        <p:nvPr/>
+      </p:nvGrpSpPr>
+      <p:grpSpPr>
+        <a:xfrm>
+          <a:off x="0" y="0"/>
+          <a:ext cx="0" cy="0"/>
+          <a:chOff x="0" y="0"/>
+          <a:chExt cx="0" cy="0"/>
+        </a:xfrm>
+      </p:grpSpPr>
+      <p:sp>
+        <p:nvSpPr>
+          <p:cNvPr id="2" name="Title 1">
+            <a:extLst>
+              <a:ext uri="{FF2B5EF4-FFF2-40B4-BE49-F238E27FC236}">
+                <a16:creationId xmlns:a16="http://schemas.microsoft.com/office/drawing/2014/main" id="{162B9D69-E0D7-9944-B2A1-50400B6FF173}"/>
+              </a:ext>
+            </a:extLst>
+          </p:cNvPr>
+          <p:cNvSpPr>
+            <a:spLocks noGrp="1"/>
+          </p:cNvSpPr>
+          <p:nvPr>
+            <p:ph type="title"/>
+          </p:nvPr>
+        </p:nvSpPr>
+        <p:spPr/>
+        <p:txBody>
+          <a:bodyPr/>
+          <a:lstStyle/>
+          <a:p>
+            <a:r>
+              <a:rPr lang="en-JP">
+                <a:latin typeface="+mn-lt"/>
+              </a:rPr>
+              <a:t>no-fit polygon (NFP)</a:t>
+            </a:r>
+          </a:p>
+        </p:txBody>
+      </p:sp>
+      <mc:AlternateContent xmlns:mc="http://schemas.openxmlformats.org/markup-compatibility/2006" xmlns:a14="http://schemas.microsoft.com/office/drawing/2010/main">
+        <mc:Choice Requires="a14">
+          <p:sp>
+            <p:nvSpPr>
+              <p:cNvPr id="3" name="Content Placeholder 2">
+                <a:extLst>
+                  <a:ext uri="{FF2B5EF4-FFF2-40B4-BE49-F238E27FC236}">
+                    <a16:creationId xmlns:a16="http://schemas.microsoft.com/office/drawing/2014/main" id="{370F1DC0-1D3C-F74B-BC63-B9B6F942B421}"/>
+                  </a:ext>
+                </a:extLst>
+              </p:cNvPr>
+              <p:cNvSpPr>
+                <a:spLocks noGrp="1"/>
+              </p:cNvSpPr>
+              <p:nvPr>
+                <p:ph idx="1"/>
+              </p:nvPr>
+            </p:nvSpPr>
+            <p:spPr>
+              <a:xfrm>
+                <a:off x="838200" y="1661985"/>
+                <a:ext cx="10515600" cy="2142218"/>
+              </a:xfrm>
+              <a:solidFill>
+                <a:schemeClr val="accent5">
+                  <a:lumMod val="20000"/>
+                  <a:lumOff val="80000"/>
+                </a:schemeClr>
+              </a:solidFill>
+            </p:spPr>
+            <p:txBody>
+              <a:bodyPr>
+                <a:normAutofit/>
+              </a:bodyPr>
+              <a:lstStyle/>
+              <a:p>
+                <a:pPr marL="0" indent="0">
+                  <a:buNone/>
+                </a:pPr>
+                <a14:m>
+                  <m:oMathPara xmlns:m="http://schemas.openxmlformats.org/officeDocument/2006/math">
+                    <m:oMathParaPr>
+                      <m:jc m:val="left"/>
+                    </m:oMathParaPr>
+                    <m:oMath xmlns:m="http://schemas.openxmlformats.org/officeDocument/2006/math">
+                      <m:r>
+                        <a:rPr lang="en-US" b="1" i="1">
+                          <a:latin typeface="Cambria Math" panose="02040503050406030204" pitchFamily="18" charset="0"/>
+                        </a:rPr>
+                        <m:t>𝑵𝑭𝑷</m:t>
+                      </m:r>
+                    </m:oMath>
+                  </m:oMathPara>
+                </a14:m>
+                <a:endParaRPr lang="en-JP" b="1"/>
+              </a:p>
+              <a:p>
+                <a:pPr marL="0" indent="0">
+                  <a:buNone/>
+                </a:pPr>
+                <a:r>
+                  <a:rPr lang="en-JP"/>
+                  <a:t>平面上で多角形の重なりを判定する方法．</a:t>
+                </a:r>
+              </a:p>
+              <a:p>
+                <a:pPr marL="0" indent="0">
+                  <a:buNone/>
+                </a:pPr>
+                <a:r>
+                  <a:rPr lang="en-JP"/>
+                  <a:t>多角形</a:t>
+                </a:r>
+                <a14:m>
+                  <m:oMath xmlns:m="http://schemas.openxmlformats.org/officeDocument/2006/math">
+                    <m:r>
+                      <a:rPr lang="en-US" b="0" i="1">
+                        <a:latin typeface="Cambria Math" panose="02040503050406030204" pitchFamily="18" charset="0"/>
+                      </a:rPr>
+                      <m:t>𝑃</m:t>
+                    </m:r>
+                  </m:oMath>
+                </a14:m>
+                <a:r>
+                  <a:rPr lang="en-JP"/>
+                  <a:t>と</a:t>
+                </a:r>
+                <a14:m>
+                  <m:oMath xmlns:m="http://schemas.openxmlformats.org/officeDocument/2006/math">
+                    <m:r>
+                      <a:rPr lang="en-US" b="0" i="1">
+                        <a:latin typeface="Cambria Math" panose="02040503050406030204" pitchFamily="18" charset="0"/>
+                      </a:rPr>
+                      <m:t>𝑄</m:t>
+                    </m:r>
+                  </m:oMath>
+                </a14:m>
+                <a:r>
+                  <a:rPr lang="en-JP"/>
+                  <a:t>が与えられ</a:t>
+                </a:r>
+                <a14:m>
+                  <m:oMath xmlns:m="http://schemas.openxmlformats.org/officeDocument/2006/math">
+                    <m:r>
+                      <a:rPr lang="en-US" b="0" i="1">
+                        <a:latin typeface="Cambria Math" panose="02040503050406030204" pitchFamily="18" charset="0"/>
+                      </a:rPr>
+                      <m:t>𝑄</m:t>
+                    </m:r>
+                  </m:oMath>
+                </a14:m>
+                <a:r>
+                  <a:rPr lang="en-JP"/>
+                  <a:t>の配置が固定されているとする．</a:t>
+                </a:r>
+              </a:p>
+              <a:p>
+                <a:pPr marL="0" indent="0">
+                  <a:buNone/>
+                </a:pPr>
+                <a14:m>
+                  <m:oMath xmlns:m="http://schemas.openxmlformats.org/officeDocument/2006/math">
+                    <m:r>
+                      <a:rPr lang="en-US" b="0" i="1">
+                        <a:latin typeface="Cambria Math" panose="02040503050406030204" pitchFamily="18" charset="0"/>
+                      </a:rPr>
+                      <m:t>𝑄</m:t>
+                    </m:r>
+                  </m:oMath>
+                </a14:m>
+                <a:r>
+                  <a:rPr lang="en-JP"/>
+                  <a:t>と重なりを持つような領域を</a:t>
+                </a:r>
+                <a14:m>
+                  <m:oMath xmlns:m="http://schemas.openxmlformats.org/officeDocument/2006/math">
+                    <m:r>
+                      <a:rPr lang="en-US" b="0" i="1">
+                        <a:latin typeface="Cambria Math" panose="02040503050406030204" pitchFamily="18" charset="0"/>
+                      </a:rPr>
+                      <m:t>𝑁𝐹𝑃</m:t>
+                    </m:r>
+                    <m:r>
+                      <a:rPr lang="en-US" b="0" i="1">
+                        <a:latin typeface="Cambria Math" panose="02040503050406030204" pitchFamily="18" charset="0"/>
+                      </a:rPr>
+                      <m:t>(</m:t>
+                    </m:r>
+                    <m:r>
+                      <a:rPr lang="en-US" b="0" i="1">
+                        <a:latin typeface="Cambria Math" panose="02040503050406030204" pitchFamily="18" charset="0"/>
+                      </a:rPr>
+                      <m:t>𝑃</m:t>
+                    </m:r>
+                    <m:r>
+                      <a:rPr lang="en-US" b="0" i="1">
+                        <a:latin typeface="Cambria Math" panose="02040503050406030204" pitchFamily="18" charset="0"/>
+                      </a:rPr>
+                      <m:t>,</m:t>
+                    </m:r>
+                    <m:r>
+                      <a:rPr lang="en-US" b="0" i="1">
+                        <a:latin typeface="Cambria Math" panose="02040503050406030204" pitchFamily="18" charset="0"/>
+                      </a:rPr>
+                      <m:t>𝑄</m:t>
+                    </m:r>
+                    <m:r>
+                      <a:rPr lang="en-US" b="0" i="1">
+                        <a:latin typeface="Cambria Math" panose="02040503050406030204" pitchFamily="18" charset="0"/>
+                      </a:rPr>
+                      <m:t>)</m:t>
+                    </m:r>
+                  </m:oMath>
+                </a14:m>
+                <a:r>
+                  <a:rPr lang="en-JP"/>
+                  <a:t>と書く．</a:t>
+                </a:r>
+              </a:p>
+            </p:txBody>
+          </p:sp>
+        </mc:Choice>
+        <mc:Fallback xmlns="">
+          <p:sp>
+            <p:nvSpPr>
+              <p:cNvPr id="3" name="Content Placeholder 2">
+                <a:extLst>
+                  <a:ext uri="{FF2B5EF4-FFF2-40B4-BE49-F238E27FC236}">
+                    <a16:creationId xmlns:a16="http://schemas.microsoft.com/office/drawing/2014/main" id="{370F1DC0-1D3C-F74B-BC63-B9B6F942B421}"/>
+                  </a:ext>
+                </a:extLst>
+              </p:cNvPr>
+              <p:cNvSpPr>
+                <a:spLocks noGrp="1" noRot="1" noChangeAspect="1" noMove="1" noResize="1" noEditPoints="1" noAdjustHandles="1" noChangeArrowheads="1" noChangeShapeType="1" noTextEdit="1"/>
+              </p:cNvSpPr>
+              <p:nvPr>
+                <p:ph idx="1"/>
+              </p:nvPr>
+            </p:nvSpPr>
+            <p:spPr>
+              <a:xfrm>
+                <a:off x="838200" y="1661985"/>
+                <a:ext cx="10515600" cy="2142218"/>
+              </a:xfrm>
+              <a:blipFill>
+                <a:blip r:embed="rId2"/>
+                <a:stretch>
+                  <a:fillRect l="-1206" b="-592"/>
+                </a:stretch>
+              </a:blipFill>
+            </p:spPr>
+            <p:txBody>
+              <a:bodyPr/>
+              <a:lstStyle/>
+              <a:p>
+                <a:r>
+                  <a:rPr lang="en-JP">
+                    <a:noFill/>
+                  </a:rPr>
+                  <a:t> </a:t>
+                </a:r>
+              </a:p>
+            </p:txBody>
+          </p:sp>
+        </mc:Fallback>
+      </mc:AlternateContent>
+      <p:sp>
+        <p:nvSpPr>
+          <p:cNvPr id="4" name="Slide Number Placeholder 3">
+            <a:extLst>
+              <a:ext uri="{FF2B5EF4-FFF2-40B4-BE49-F238E27FC236}">
+                <a16:creationId xmlns:a16="http://schemas.microsoft.com/office/drawing/2014/main" id="{C8547149-A0E7-3B4E-98B3-A17A9D6F0D82}"/>
+              </a:ext>
+            </a:extLst>
+          </p:cNvPr>
+          <p:cNvSpPr>
+            <a:spLocks noGrp="1"/>
+          </p:cNvSpPr>
+          <p:nvPr>
+            <p:ph type="sldNum" sz="quarter" idx="12"/>
+          </p:nvPr>
+        </p:nvSpPr>
+        <p:spPr/>
+        <p:txBody>
+          <a:bodyPr/>
+          <a:lstStyle/>
+          <a:p>
+            <a:fld id="{CCF3E294-EB10-834B-8B5B-5C78A6A1F52A}" type="slidenum">
+              <a:rPr lang="en-JP"/>
+              <a:t>3</a:t>
+            </a:fld>
+            <a:endParaRPr lang="en-JP"/>
+          </a:p>
+        </p:txBody>
+      </p:sp>
+      <mc:AlternateContent xmlns:mc="http://schemas.openxmlformats.org/markup-compatibility/2006">
+        <mc:Choice xmlns:a14="http://schemas.microsoft.com/office/drawing/2010/main" Requires="a14">
+          <p:sp>
+            <p:nvSpPr>
+              <p:cNvPr id="6" name="Rectangle 5">
+                <a:extLst>
+                  <a:ext uri="{FF2B5EF4-FFF2-40B4-BE49-F238E27FC236}">
+                    <a16:creationId xmlns:a16="http://schemas.microsoft.com/office/drawing/2014/main" id="{DBC033A7-79EC-6E4A-9B6F-59D485DDC49A}"/>
+                  </a:ext>
+                </a:extLst>
+              </p:cNvPr>
+              <p:cNvSpPr/>
+              <p:nvPr/>
+            </p:nvSpPr>
+            <p:spPr>
+              <a:xfrm>
+                <a:off x="6760025" y="4702629"/>
+                <a:ext cx="740229" cy="898068"/>
+              </a:xfrm>
+              <a:prstGeom prst="rect">
+                <a:avLst/>
+              </a:prstGeom>
+              <a:solidFill>
+                <a:schemeClr val="bg2">
+                  <a:lumMod val="90000"/>
+                </a:schemeClr>
+              </a:solidFill>
+              <a:ln>
+                <a:solidFill>
+                  <a:schemeClr val="tx1"/>
+                </a:solidFill>
+              </a:ln>
+            </p:spPr>
+            <p:style>
+              <a:lnRef idx="2">
+                <a:schemeClr val="accent1">
+                  <a:shade val="50000"/>
+                </a:schemeClr>
+              </a:lnRef>
+              <a:fillRef idx="1">
+                <a:schemeClr val="accent1"/>
+              </a:fillRef>
+              <a:effectRef idx="0">
+                <a:schemeClr val="accent1"/>
+              </a:effectRef>
+              <a:fontRef idx="minor">
+                <a:schemeClr val="lt1"/>
+              </a:fontRef>
+            </p:style>
+            <p:txBody>
+              <a:bodyPr rtlCol="0" anchor="ctr"/>
+              <a:lstStyle/>
+              <a:p>
+                <a:pPr algn="ctr"/>
+                <a14:m>
+                  <m:oMathPara xmlns:m="http://schemas.openxmlformats.org/officeDocument/2006/math">
+                    <m:oMathParaPr>
+                      <m:jc m:val="centerGroup"/>
+                    </m:oMathParaPr>
+                    <m:oMath xmlns:m="http://schemas.openxmlformats.org/officeDocument/2006/math">
+                      <m:r>
+                        <a:rPr lang="en-US" sz="3200" b="0" i="1">
+                          <a:solidFill>
+                            <a:schemeClr val="tx1"/>
+                          </a:solidFill>
+                          <a:latin typeface="Cambria Math" panose="02040503050406030204" pitchFamily="18" charset="0"/>
+                        </a:rPr>
+                        <m:t>𝑃</m:t>
+                      </m:r>
+                    </m:oMath>
+                  </m:oMathPara>
+                </a14:m>
+                <a:endParaRPr lang="en-JP" sz="3200">
+                  <a:solidFill>
+                    <a:schemeClr val="tx1"/>
+                  </a:solidFill>
+                </a:endParaRPr>
+              </a:p>
+            </p:txBody>
+          </p:sp>
+        </mc:Choice>
+        <mc:Fallback>
+          <p:sp>
+            <p:nvSpPr>
+              <p:cNvPr id="6" name="Rectangle 5">
+                <a:extLst>
+                  <a:ext uri="{FF2B5EF4-FFF2-40B4-BE49-F238E27FC236}">
+                    <a16:creationId xmlns:a16="http://schemas.microsoft.com/office/drawing/2014/main" id="{DBC033A7-79EC-6E4A-9B6F-59D485DDC49A}"/>
+                  </a:ext>
+                </a:extLst>
+              </p:cNvPr>
+              <p:cNvSpPr>
+                <a:spLocks noRot="1" noChangeAspect="1" noMove="1" noResize="1" noEditPoints="1" noAdjustHandles="1" noChangeArrowheads="1" noChangeShapeType="1" noTextEdit="1"/>
+              </p:cNvSpPr>
+              <p:nvPr/>
+            </p:nvSpPr>
+            <p:spPr>
+              <a:xfrm>
+                <a:off x="6760025" y="4702629"/>
+                <a:ext cx="740229" cy="898068"/>
+              </a:xfrm>
+              <a:prstGeom prst="rect">
+                <a:avLst/>
+              </a:prstGeom>
+              <a:blipFill>
+                <a:blip r:embed="rId3"/>
+                <a:stretch>
+                  <a:fillRect/>
+                </a:stretch>
+              </a:blipFill>
+              <a:ln>
+                <a:solidFill>
+                  <a:schemeClr val="tx1"/>
+                </a:solidFill>
+              </a:ln>
+            </p:spPr>
+            <p:txBody>
+              <a:bodyPr/>
+              <a:lstStyle/>
+              <a:p>
+                <a:r>
+                  <a:rPr lang="en-JP">
+                    <a:noFill/>
+                  </a:rPr>
+                  <a:t> </a:t>
+                </a:r>
+              </a:p>
+            </p:txBody>
+          </p:sp>
+        </mc:Fallback>
+      </mc:AlternateContent>
+      <p:sp>
+        <p:nvSpPr>
+          <p:cNvPr id="7" name="Rectangle 6">
+            <a:extLst>
+              <a:ext uri="{FF2B5EF4-FFF2-40B4-BE49-F238E27FC236}">
+                <a16:creationId xmlns:a16="http://schemas.microsoft.com/office/drawing/2014/main" id="{FBC59F82-57AF-EF4D-94B5-EEC9FB267D22}"/>
+              </a:ext>
+            </a:extLst>
+          </p:cNvPr>
+          <p:cNvSpPr/>
+          <p:nvPr/>
+        </p:nvSpPr>
+        <p:spPr>
+          <a:xfrm>
+            <a:off x="5078182" y="4702628"/>
+            <a:ext cx="2449286" cy="1480000"/>
+          </a:xfrm>
+          <a:prstGeom prst="rect">
+            <a:avLst/>
+          </a:prstGeom>
+          <a:noFill/>
+          <a:ln w="44450">
+            <a:solidFill>
+              <a:schemeClr val="tx1"/>
+            </a:solidFill>
+          </a:ln>
+        </p:spPr>
+        <p:style>
+          <a:lnRef idx="2">
+            <a:schemeClr val="accent1">
+              <a:shade val="50000"/>
+            </a:schemeClr>
+          </a:lnRef>
+          <a:fillRef idx="1">
+            <a:schemeClr val="accent1"/>
+          </a:fillRef>
+          <a:effectRef idx="0">
+            <a:schemeClr val="accent1"/>
+          </a:effectRef>
+          <a:fontRef idx="minor">
+            <a:schemeClr val="lt1"/>
+          </a:fontRef>
+        </p:style>
+        <p:txBody>
+          <a:bodyPr rtlCol="0" anchor="ctr"/>
+          <a:lstStyle/>
+          <a:p>
+            <a:pPr algn="ctr"/>
+            <a:endParaRPr lang="en-JP" sz="1600"/>
+          </a:p>
+        </p:txBody>
+      </p:sp>
+      <p:sp>
+        <p:nvSpPr>
+          <p:cNvPr id="13" name="Rectangle 12">
+            <a:extLst>
+              <a:ext uri="{FF2B5EF4-FFF2-40B4-BE49-F238E27FC236}">
+                <a16:creationId xmlns:a16="http://schemas.microsoft.com/office/drawing/2014/main" id="{E4731897-5A2E-8246-8709-2CDB86C4001C}"/>
+              </a:ext>
+            </a:extLst>
+          </p:cNvPr>
+          <p:cNvSpPr/>
+          <p:nvPr/>
+        </p:nvSpPr>
+        <p:spPr>
+          <a:xfrm>
+            <a:off x="5078181" y="5600696"/>
+            <a:ext cx="1681843" cy="581931"/>
+          </a:xfrm>
+          <a:prstGeom prst="rect">
+            <a:avLst/>
+          </a:prstGeom>
+          <a:noFill/>
+          <a:ln>
+            <a:solidFill>
+              <a:schemeClr val="tx1"/>
+            </a:solidFill>
+            <a:prstDash val="dash"/>
+          </a:ln>
+        </p:spPr>
+        <p:style>
+          <a:lnRef idx="2">
+            <a:schemeClr val="accent1">
+              <a:shade val="50000"/>
+            </a:schemeClr>
+          </a:lnRef>
+          <a:fillRef idx="1">
+            <a:schemeClr val="accent1"/>
+          </a:fillRef>
+          <a:effectRef idx="0">
+            <a:schemeClr val="accent1"/>
+          </a:effectRef>
+          <a:fontRef idx="minor">
+            <a:schemeClr val="lt1"/>
+          </a:fontRef>
+        </p:style>
+        <p:txBody>
+          <a:bodyPr rtlCol="0" anchor="ctr"/>
+          <a:lstStyle/>
+          <a:p>
+            <a:pPr algn="ctr"/>
+            <a:endParaRPr lang="en-JP" sz="3200">
+              <a:solidFill>
+                <a:schemeClr val="tx1"/>
+              </a:solidFill>
+            </a:endParaRPr>
+          </a:p>
+        </p:txBody>
+      </p:sp>
+      <mc:AlternateContent xmlns:mc="http://schemas.openxmlformats.org/markup-compatibility/2006">
+        <mc:Choice xmlns:a14="http://schemas.microsoft.com/office/drawing/2010/main" Requires="a14">
+          <p:sp>
+            <p:nvSpPr>
+              <p:cNvPr id="15" name="TextBox 14">
+                <a:extLst>
+                  <a:ext uri="{FF2B5EF4-FFF2-40B4-BE49-F238E27FC236}">
+                    <a16:creationId xmlns:a16="http://schemas.microsoft.com/office/drawing/2014/main" id="{9F98ACDF-EEC0-5F48-ADD6-A1EAD5220732}"/>
+                  </a:ext>
+                </a:extLst>
+              </p:cNvPr>
+              <p:cNvSpPr txBox="1"/>
+              <p:nvPr/>
+            </p:nvSpPr>
+            <p:spPr>
+              <a:xfrm>
+                <a:off x="5590968" y="6214592"/>
+                <a:ext cx="1404872" cy="400110"/>
+              </a:xfrm>
+              <a:prstGeom prst="rect">
+                <a:avLst/>
+              </a:prstGeom>
+              <a:noFill/>
+            </p:spPr>
+            <p:txBody>
+              <a:bodyPr wrap="none" rtlCol="0">
+                <a:spAutoFit/>
+              </a:bodyPr>
+              <a:lstStyle/>
+              <a:p>
+                <a:pPr/>
+                <a14:m>
+                  <m:oMathPara xmlns:m="http://schemas.openxmlformats.org/officeDocument/2006/math">
+                    <m:oMathParaPr>
+                      <m:jc m:val="centerGroup"/>
+                    </m:oMathParaPr>
+                    <m:oMath xmlns:m="http://schemas.openxmlformats.org/officeDocument/2006/math">
+                      <m:r>
+                        <a:rPr lang="en-US" sz="2000" b="0" i="1">
+                          <a:latin typeface="Cambria Math" panose="02040503050406030204" pitchFamily="18" charset="0"/>
+                        </a:rPr>
+                        <m:t>𝑁𝐹𝑃</m:t>
+                      </m:r>
+                      <m:r>
+                        <a:rPr lang="en-US" sz="2000" b="0" i="1">
+                          <a:latin typeface="Cambria Math" panose="02040503050406030204" pitchFamily="18" charset="0"/>
+                        </a:rPr>
+                        <m:t>(</m:t>
+                      </m:r>
+                      <m:r>
+                        <a:rPr lang="en-US" sz="2000" b="0" i="1">
+                          <a:latin typeface="Cambria Math" panose="02040503050406030204" pitchFamily="18" charset="0"/>
+                        </a:rPr>
+                        <m:t>𝑃</m:t>
+                      </m:r>
+                      <m:r>
+                        <a:rPr lang="en-US" sz="2000" b="0" i="1">
+                          <a:latin typeface="Cambria Math" panose="02040503050406030204" pitchFamily="18" charset="0"/>
+                        </a:rPr>
+                        <m:t>,</m:t>
+                      </m:r>
+                      <m:r>
+                        <a:rPr lang="en-US" sz="2000" b="0" i="1">
+                          <a:latin typeface="Cambria Math" panose="02040503050406030204" pitchFamily="18" charset="0"/>
+                        </a:rPr>
+                        <m:t>𝑄</m:t>
+                      </m:r>
+                      <m:r>
+                        <a:rPr lang="en-US" sz="2000" b="0" i="1">
+                          <a:latin typeface="Cambria Math" panose="02040503050406030204" pitchFamily="18" charset="0"/>
+                        </a:rPr>
+                        <m:t>)</m:t>
+                      </m:r>
+                    </m:oMath>
+                  </m:oMathPara>
+                </a14:m>
+                <a:endParaRPr lang="en-JP" sz="2000"/>
+              </a:p>
+            </p:txBody>
+          </p:sp>
+        </mc:Choice>
+        <mc:Fallback>
+          <p:sp>
+            <p:nvSpPr>
+              <p:cNvPr id="15" name="TextBox 14">
+                <a:extLst>
+                  <a:ext uri="{FF2B5EF4-FFF2-40B4-BE49-F238E27FC236}">
+                    <a16:creationId xmlns:a16="http://schemas.microsoft.com/office/drawing/2014/main" id="{9F98ACDF-EEC0-5F48-ADD6-A1EAD5220732}"/>
+                  </a:ext>
+                </a:extLst>
+              </p:cNvPr>
+              <p:cNvSpPr txBox="1">
+                <a:spLocks noRot="1" noChangeAspect="1" noMove="1" noResize="1" noEditPoints="1" noAdjustHandles="1" noChangeArrowheads="1" noChangeShapeType="1" noTextEdit="1"/>
+              </p:cNvSpPr>
+              <p:nvPr/>
+            </p:nvSpPr>
+            <p:spPr>
+              <a:xfrm>
+                <a:off x="5590968" y="6214592"/>
+                <a:ext cx="1404872" cy="400110"/>
+              </a:xfrm>
+              <a:prstGeom prst="rect">
+                <a:avLst/>
+              </a:prstGeom>
+              <a:blipFill>
+                <a:blip r:embed="rId4"/>
+                <a:stretch>
+                  <a:fillRect b="-15625"/>
+                </a:stretch>
+              </a:blipFill>
+            </p:spPr>
+            <p:txBody>
+              <a:bodyPr/>
+              <a:lstStyle/>
+              <a:p>
+                <a:r>
+                  <a:rPr lang="en-JP">
+                    <a:noFill/>
+                  </a:rPr>
+                  <a:t> </a:t>
+                </a:r>
+              </a:p>
+            </p:txBody>
+          </p:sp>
+        </mc:Fallback>
+      </mc:AlternateContent>
+      <p:sp>
+        <p:nvSpPr>
+          <p:cNvPr id="16" name="Rectangle 15">
+            <a:extLst>
+              <a:ext uri="{FF2B5EF4-FFF2-40B4-BE49-F238E27FC236}">
+                <a16:creationId xmlns:a16="http://schemas.microsoft.com/office/drawing/2014/main" id="{5534D741-DECE-5340-9966-04E1A6396A16}"/>
+              </a:ext>
+            </a:extLst>
+          </p:cNvPr>
+          <p:cNvSpPr/>
+          <p:nvPr/>
+        </p:nvSpPr>
+        <p:spPr>
+          <a:xfrm>
+            <a:off x="7560126" y="5584698"/>
+            <a:ext cx="1681843" cy="581931"/>
+          </a:xfrm>
+          <a:prstGeom prst="rect">
+            <a:avLst/>
+          </a:prstGeom>
+          <a:noFill/>
+          <a:ln>
+            <a:solidFill>
+              <a:schemeClr val="tx1"/>
+            </a:solidFill>
+            <a:prstDash val="dash"/>
+          </a:ln>
+        </p:spPr>
+        <p:style>
+          <a:lnRef idx="2">
+            <a:schemeClr val="accent1">
+              <a:shade val="50000"/>
+            </a:schemeClr>
+          </a:lnRef>
+          <a:fillRef idx="1">
+            <a:schemeClr val="accent1"/>
+          </a:fillRef>
+          <a:effectRef idx="0">
+            <a:schemeClr val="accent1"/>
+          </a:effectRef>
+          <a:fontRef idx="minor">
+            <a:schemeClr val="lt1"/>
+          </a:fontRef>
+        </p:style>
+        <p:txBody>
+          <a:bodyPr rtlCol="0" anchor="ctr"/>
+          <a:lstStyle/>
+          <a:p>
+            <a:pPr algn="ctr"/>
+            <a:endParaRPr lang="en-JP" sz="3200">
+              <a:solidFill>
+                <a:schemeClr val="tx1"/>
+              </a:solidFill>
+            </a:endParaRPr>
+          </a:p>
+        </p:txBody>
+      </p:sp>
+      <p:sp>
+        <p:nvSpPr>
+          <p:cNvPr id="17" name="Rectangle 16">
+            <a:extLst>
+              <a:ext uri="{FF2B5EF4-FFF2-40B4-BE49-F238E27FC236}">
+                <a16:creationId xmlns:a16="http://schemas.microsoft.com/office/drawing/2014/main" id="{5AC7728C-D2C2-134A-800A-80226EC9B67F}"/>
+              </a:ext>
+            </a:extLst>
+          </p:cNvPr>
+          <p:cNvSpPr/>
+          <p:nvPr/>
+        </p:nvSpPr>
+        <p:spPr>
+          <a:xfrm>
+            <a:off x="5078181" y="4086451"/>
+            <a:ext cx="1681843" cy="581931"/>
+          </a:xfrm>
+          <a:prstGeom prst="rect">
+            <a:avLst/>
+          </a:prstGeom>
+          <a:noFill/>
+          <a:ln>
+            <a:solidFill>
+              <a:schemeClr val="tx1"/>
+            </a:solidFill>
+            <a:prstDash val="dash"/>
+          </a:ln>
+        </p:spPr>
+        <p:style>
+          <a:lnRef idx="2">
+            <a:schemeClr val="accent1">
+              <a:shade val="50000"/>
+            </a:schemeClr>
+          </a:lnRef>
+          <a:fillRef idx="1">
+            <a:schemeClr val="accent1"/>
+          </a:fillRef>
+          <a:effectRef idx="0">
+            <a:schemeClr val="accent1"/>
+          </a:effectRef>
+          <a:fontRef idx="minor">
+            <a:schemeClr val="lt1"/>
+          </a:fontRef>
+        </p:style>
+        <p:txBody>
+          <a:bodyPr rtlCol="0" anchor="ctr"/>
+          <a:lstStyle/>
+          <a:p>
+            <a:pPr algn="ctr"/>
+            <a:endParaRPr lang="en-JP" sz="3200">
+              <a:solidFill>
+                <a:schemeClr val="tx1"/>
+              </a:solidFill>
+            </a:endParaRPr>
+          </a:p>
+        </p:txBody>
+      </p:sp>
+      <p:sp>
+        <p:nvSpPr>
+          <p:cNvPr id="18" name="Rectangle 17">
+            <a:extLst>
+              <a:ext uri="{FF2B5EF4-FFF2-40B4-BE49-F238E27FC236}">
+                <a16:creationId xmlns:a16="http://schemas.microsoft.com/office/drawing/2014/main" id="{6D352D26-8EC1-2B47-9794-99D157C20AB2}"/>
+              </a:ext>
+            </a:extLst>
+          </p:cNvPr>
+          <p:cNvSpPr/>
+          <p:nvPr/>
+        </p:nvSpPr>
+        <p:spPr>
+          <a:xfrm>
+            <a:off x="7527467" y="4124906"/>
+            <a:ext cx="1681843" cy="581931"/>
+          </a:xfrm>
+          <a:prstGeom prst="rect">
+            <a:avLst/>
+          </a:prstGeom>
+          <a:noFill/>
+          <a:ln>
+            <a:solidFill>
+              <a:schemeClr val="tx1"/>
+            </a:solidFill>
+            <a:prstDash val="dash"/>
+          </a:ln>
+        </p:spPr>
+        <p:style>
+          <a:lnRef idx="2">
+            <a:schemeClr val="accent1">
+              <a:shade val="50000"/>
+            </a:schemeClr>
+          </a:lnRef>
+          <a:fillRef idx="1">
+            <a:schemeClr val="accent1"/>
+          </a:fillRef>
+          <a:effectRef idx="0">
+            <a:schemeClr val="accent1"/>
+          </a:effectRef>
+          <a:fontRef idx="minor">
+            <a:schemeClr val="lt1"/>
+          </a:fontRef>
+        </p:style>
+        <p:txBody>
+          <a:bodyPr rtlCol="0" anchor="ctr"/>
+          <a:lstStyle/>
+          <a:p>
+            <a:pPr algn="ctr"/>
+            <a:endParaRPr lang="en-JP" sz="3200">
+              <a:solidFill>
+                <a:schemeClr val="tx1"/>
+              </a:solidFill>
+            </a:endParaRPr>
+          </a:p>
+        </p:txBody>
+      </p:sp>
+      <mc:AlternateContent xmlns:mc="http://schemas.openxmlformats.org/markup-compatibility/2006">
+        <mc:Choice xmlns:a14="http://schemas.microsoft.com/office/drawing/2010/main" Requires="a14">
+          <p:sp>
+            <p:nvSpPr>
+              <p:cNvPr id="19" name="Rectangle 18">
+                <a:extLst>
+                  <a:ext uri="{FF2B5EF4-FFF2-40B4-BE49-F238E27FC236}">
+                    <a16:creationId xmlns:a16="http://schemas.microsoft.com/office/drawing/2014/main" id="{ED815B47-206C-2843-907A-B31C8F5D7BF0}"/>
+                  </a:ext>
+                </a:extLst>
+              </p:cNvPr>
+              <p:cNvSpPr/>
+              <p:nvPr/>
+            </p:nvSpPr>
+            <p:spPr>
+              <a:xfrm>
+                <a:off x="2097551" y="5601026"/>
+                <a:ext cx="1681843" cy="581931"/>
+              </a:xfrm>
+              <a:prstGeom prst="rect">
+                <a:avLst/>
+              </a:prstGeom>
+              <a:noFill/>
+              <a:ln>
+                <a:solidFill>
+                  <a:schemeClr val="tx1"/>
+                </a:solidFill>
+              </a:ln>
+            </p:spPr>
+            <p:style>
+              <a:lnRef idx="2">
+                <a:schemeClr val="accent1">
+                  <a:shade val="50000"/>
+                </a:schemeClr>
+              </a:lnRef>
+              <a:fillRef idx="1">
+                <a:schemeClr val="accent1"/>
+              </a:fillRef>
+              <a:effectRef idx="0">
+                <a:schemeClr val="accent1"/>
+              </a:effectRef>
+              <a:fontRef idx="minor">
+                <a:schemeClr val="lt1"/>
+              </a:fontRef>
+            </p:style>
+            <p:txBody>
+              <a:bodyPr rtlCol="0" anchor="ctr"/>
+              <a:lstStyle/>
+              <a:p>
+                <a:pPr algn="ctr"/>
+                <a14:m>
+                  <m:oMathPara xmlns:m="http://schemas.openxmlformats.org/officeDocument/2006/math">
+                    <m:oMathParaPr>
+                      <m:jc m:val="centerGroup"/>
+                    </m:oMathParaPr>
+                    <m:oMath xmlns:m="http://schemas.openxmlformats.org/officeDocument/2006/math">
+                      <m:r>
+                        <a:rPr lang="en-US" sz="3200" b="0" i="1">
+                          <a:solidFill>
+                            <a:schemeClr val="tx1"/>
+                          </a:solidFill>
+                          <a:latin typeface="Cambria Math" panose="02040503050406030204" pitchFamily="18" charset="0"/>
+                        </a:rPr>
+                        <m:t>𝑄</m:t>
+                      </m:r>
+                    </m:oMath>
+                  </m:oMathPara>
+                </a14:m>
+                <a:endParaRPr lang="en-JP" sz="3200">
+                  <a:solidFill>
+                    <a:schemeClr val="tx1"/>
+                  </a:solidFill>
+                </a:endParaRPr>
+              </a:p>
+            </p:txBody>
+          </p:sp>
+        </mc:Choice>
+        <mc:Fallback>
+          <p:sp>
+            <p:nvSpPr>
+              <p:cNvPr id="19" name="Rectangle 18">
+                <a:extLst>
+                  <a:ext uri="{FF2B5EF4-FFF2-40B4-BE49-F238E27FC236}">
+                    <a16:creationId xmlns:a16="http://schemas.microsoft.com/office/drawing/2014/main" id="{ED815B47-206C-2843-907A-B31C8F5D7BF0}"/>
+                  </a:ext>
+                </a:extLst>
+              </p:cNvPr>
+              <p:cNvSpPr>
+                <a:spLocks noRot="1" noChangeAspect="1" noMove="1" noResize="1" noEditPoints="1" noAdjustHandles="1" noChangeArrowheads="1" noChangeShapeType="1" noTextEdit="1"/>
+              </p:cNvSpPr>
+              <p:nvPr/>
+            </p:nvSpPr>
+            <p:spPr>
+              <a:xfrm>
+                <a:off x="2097551" y="5601026"/>
+                <a:ext cx="1681843" cy="581931"/>
+              </a:xfrm>
+              <a:prstGeom prst="rect">
+                <a:avLst/>
+              </a:prstGeom>
+              <a:blipFill>
+                <a:blip r:embed="rId5"/>
+                <a:stretch>
+                  <a:fillRect b="-14583"/>
+                </a:stretch>
+              </a:blipFill>
+              <a:ln>
+                <a:solidFill>
+                  <a:schemeClr val="tx1"/>
+                </a:solidFill>
+              </a:ln>
+            </p:spPr>
+            <p:txBody>
+              <a:bodyPr/>
+              <a:lstStyle/>
+              <a:p>
+                <a:r>
+                  <a:rPr lang="en-JP">
+                    <a:noFill/>
+                  </a:rPr>
+                  <a:t> </a:t>
+                </a:r>
+              </a:p>
+            </p:txBody>
+          </p:sp>
+        </mc:Fallback>
+      </mc:AlternateContent>
+      <mc:AlternateContent xmlns:mc="http://schemas.openxmlformats.org/markup-compatibility/2006">
+        <mc:Choice xmlns:a14="http://schemas.microsoft.com/office/drawing/2010/main" Requires="a14">
+          <p:sp>
+            <p:nvSpPr>
+              <p:cNvPr id="21" name="Rectangle 20">
+                <a:extLst>
+                  <a:ext uri="{FF2B5EF4-FFF2-40B4-BE49-F238E27FC236}">
+                    <a16:creationId xmlns:a16="http://schemas.microsoft.com/office/drawing/2014/main" id="{1457F2CF-810A-E945-B499-6FBBD7488695}"/>
+                  </a:ext>
+                </a:extLst>
+              </p:cNvPr>
+              <p:cNvSpPr/>
+              <p:nvPr/>
+            </p:nvSpPr>
+            <p:spPr>
+              <a:xfrm>
+                <a:off x="2135652" y="4278836"/>
+                <a:ext cx="740229" cy="898068"/>
+              </a:xfrm>
+              <a:prstGeom prst="rect">
+                <a:avLst/>
+              </a:prstGeom>
+              <a:noFill/>
+              <a:ln>
+                <a:solidFill>
+                  <a:schemeClr val="tx1"/>
+                </a:solidFill>
+              </a:ln>
+            </p:spPr>
+            <p:style>
+              <a:lnRef idx="2">
+                <a:schemeClr val="accent1">
+                  <a:shade val="50000"/>
+                </a:schemeClr>
+              </a:lnRef>
+              <a:fillRef idx="1">
+                <a:schemeClr val="accent1"/>
+              </a:fillRef>
+              <a:effectRef idx="0">
+                <a:schemeClr val="accent1"/>
+              </a:effectRef>
+              <a:fontRef idx="minor">
+                <a:schemeClr val="lt1"/>
+              </a:fontRef>
+            </p:style>
+            <p:txBody>
+              <a:bodyPr rtlCol="0" anchor="ctr"/>
+              <a:lstStyle/>
+              <a:p>
+                <a:pPr algn="ctr"/>
+                <a14:m>
+                  <m:oMathPara xmlns:m="http://schemas.openxmlformats.org/officeDocument/2006/math">
+                    <m:oMathParaPr>
+                      <m:jc m:val="centerGroup"/>
+                    </m:oMathParaPr>
+                    <m:oMath xmlns:m="http://schemas.openxmlformats.org/officeDocument/2006/math">
+                      <m:r>
+                        <a:rPr lang="en-US" sz="3200" b="0" i="1">
+                          <a:solidFill>
+                            <a:schemeClr val="tx1"/>
+                          </a:solidFill>
+                          <a:latin typeface="Cambria Math" panose="02040503050406030204" pitchFamily="18" charset="0"/>
+                        </a:rPr>
+                        <m:t>𝑃</m:t>
+                      </m:r>
+                    </m:oMath>
+                  </m:oMathPara>
+                </a14:m>
+                <a:endParaRPr lang="en-JP" sz="3200">
+                  <a:solidFill>
+                    <a:schemeClr val="tx1"/>
+                  </a:solidFill>
+                </a:endParaRPr>
+              </a:p>
+            </p:txBody>
+          </p:sp>
+        </mc:Choice>
+        <mc:Fallback>
+          <p:sp>
+            <p:nvSpPr>
+              <p:cNvPr id="21" name="Rectangle 20">
+                <a:extLst>
+                  <a:ext uri="{FF2B5EF4-FFF2-40B4-BE49-F238E27FC236}">
+                    <a16:creationId xmlns:a16="http://schemas.microsoft.com/office/drawing/2014/main" id="{1457F2CF-810A-E945-B499-6FBBD7488695}"/>
+                  </a:ext>
+                </a:extLst>
+              </p:cNvPr>
+              <p:cNvSpPr>
+                <a:spLocks noRot="1" noChangeAspect="1" noMove="1" noResize="1" noEditPoints="1" noAdjustHandles="1" noChangeArrowheads="1" noChangeShapeType="1" noTextEdit="1"/>
+              </p:cNvSpPr>
+              <p:nvPr/>
+            </p:nvSpPr>
+            <p:spPr>
+              <a:xfrm>
+                <a:off x="2135652" y="4278836"/>
+                <a:ext cx="740229" cy="898068"/>
+              </a:xfrm>
+              <a:prstGeom prst="rect">
+                <a:avLst/>
+              </a:prstGeom>
+              <a:blipFill>
+                <a:blip r:embed="rId6"/>
+                <a:stretch>
+                  <a:fillRect/>
+                </a:stretch>
+              </a:blipFill>
+              <a:ln>
+                <a:solidFill>
+                  <a:schemeClr val="tx1"/>
+                </a:solidFill>
+              </a:ln>
+            </p:spPr>
+            <p:txBody>
+              <a:bodyPr/>
+              <a:lstStyle/>
+              <a:p>
+                <a:r>
+                  <a:rPr lang="en-JP">
+                    <a:noFill/>
+                  </a:rPr>
+                  <a:t> </a:t>
+                </a:r>
+              </a:p>
+            </p:txBody>
+          </p:sp>
+        </mc:Fallback>
+      </mc:AlternateContent>
+      <p:sp>
+        <p:nvSpPr>
+          <p:cNvPr id="23" name="Oval 22">
+            <a:extLst>
+              <a:ext uri="{FF2B5EF4-FFF2-40B4-BE49-F238E27FC236}">
+                <a16:creationId xmlns:a16="http://schemas.microsoft.com/office/drawing/2014/main" id="{04AF081D-F38F-3B40-8276-13F23F02424E}"/>
+              </a:ext>
+            </a:extLst>
+          </p:cNvPr>
+          <p:cNvSpPr>
+            <a:spLocks noChangeAspect="1"/>
+          </p:cNvSpPr>
+          <p:nvPr/>
+        </p:nvSpPr>
+        <p:spPr>
+          <a:xfrm>
+            <a:off x="2064702" y="5061663"/>
+            <a:ext cx="180000" cy="180000"/>
+          </a:xfrm>
+          <a:prstGeom prst="ellipse">
+            <a:avLst/>
+          </a:prstGeom>
+          <a:solidFill>
+            <a:schemeClr val="tx1"/>
+          </a:solidFill>
+        </p:spPr>
+        <p:style>
+          <a:lnRef idx="2">
+            <a:schemeClr val="accent1">
+              <a:shade val="50000"/>
+            </a:schemeClr>
+          </a:lnRef>
+          <a:fillRef idx="1">
+            <a:schemeClr val="accent1"/>
+          </a:fillRef>
+          <a:effectRef idx="0">
+            <a:schemeClr val="accent1"/>
+          </a:effectRef>
+          <a:fontRef idx="minor">
+            <a:schemeClr val="lt1"/>
+          </a:fontRef>
+        </p:style>
+        <p:txBody>
+          <a:bodyPr rtlCol="0" anchor="ctr"/>
+          <a:lstStyle/>
+          <a:p>
+            <a:pPr algn="ctr"/>
+            <a:endParaRPr lang="en-JP"/>
+          </a:p>
+        </p:txBody>
+      </p:sp>
+      <p:sp>
+        <p:nvSpPr>
+          <p:cNvPr id="24" name="Oval 23">
+            <a:extLst>
+              <a:ext uri="{FF2B5EF4-FFF2-40B4-BE49-F238E27FC236}">
+                <a16:creationId xmlns:a16="http://schemas.microsoft.com/office/drawing/2014/main" id="{F31F0016-0D24-1A44-80FA-6157838A1808}"/>
+              </a:ext>
+            </a:extLst>
+          </p:cNvPr>
+          <p:cNvSpPr>
+            <a:spLocks noChangeAspect="1"/>
+          </p:cNvSpPr>
+          <p:nvPr/>
+        </p:nvSpPr>
+        <p:spPr>
+          <a:xfrm>
+            <a:off x="2037485" y="6063159"/>
+            <a:ext cx="180000" cy="180000"/>
+          </a:xfrm>
+          <a:prstGeom prst="ellipse">
+            <a:avLst/>
+          </a:prstGeom>
+          <a:solidFill>
+            <a:schemeClr val="tx1"/>
+          </a:solidFill>
+        </p:spPr>
+        <p:style>
+          <a:lnRef idx="2">
+            <a:schemeClr val="accent1">
+              <a:shade val="50000"/>
+            </a:schemeClr>
+          </a:lnRef>
+          <a:fillRef idx="1">
+            <a:schemeClr val="accent1"/>
+          </a:fillRef>
+          <a:effectRef idx="0">
+            <a:schemeClr val="accent1"/>
+          </a:effectRef>
+          <a:fontRef idx="minor">
+            <a:schemeClr val="lt1"/>
+          </a:fontRef>
+        </p:style>
+        <p:txBody>
+          <a:bodyPr rtlCol="0" anchor="ctr"/>
+          <a:lstStyle/>
+          <a:p>
+            <a:pPr algn="ctr"/>
+            <a:endParaRPr lang="en-JP"/>
+          </a:p>
+        </p:txBody>
+      </p:sp>
+    </p:spTree>
+    <p:extLst>
+      <p:ext uri="{BB962C8B-B14F-4D97-AF65-F5344CB8AC3E}">
+        <p14:creationId xmlns:p14="http://schemas.microsoft.com/office/powerpoint/2010/main" val="810761534"/>
       </p:ext>
     </p:extLst>
   </p:cSld>
